--- a/figures/pau/plant isoscape.pptx
+++ b/figures/pau/plant isoscape.pptx
@@ -302,7 +302,7 @@
           <a:p>
             <a:fld id="{6761E3C2-9BEC-E04E-909B-4B2F00AFE974}" type="datetimeFigureOut">
               <a:rPr lang="en-US" smtClean="0"/>
-              <a:t>2/21/22</a:t>
+              <a:t>2/23/22</a:t>
             </a:fld>
             <a:endParaRPr lang="en-US"/>
           </a:p>
@@ -470,7 +470,7 @@
           <a:p>
             <a:fld id="{6761E3C2-9BEC-E04E-909B-4B2F00AFE974}" type="datetimeFigureOut">
               <a:rPr lang="en-US" smtClean="0"/>
-              <a:t>2/21/22</a:t>
+              <a:t>2/23/22</a:t>
             </a:fld>
             <a:endParaRPr lang="en-US"/>
           </a:p>
@@ -648,7 +648,7 @@
           <a:p>
             <a:fld id="{6761E3C2-9BEC-E04E-909B-4B2F00AFE974}" type="datetimeFigureOut">
               <a:rPr lang="en-US" smtClean="0"/>
-              <a:t>2/21/22</a:t>
+              <a:t>2/23/22</a:t>
             </a:fld>
             <a:endParaRPr lang="en-US"/>
           </a:p>
@@ -816,7 +816,7 @@
           <a:p>
             <a:fld id="{6761E3C2-9BEC-E04E-909B-4B2F00AFE974}" type="datetimeFigureOut">
               <a:rPr lang="en-US" smtClean="0"/>
-              <a:t>2/21/22</a:t>
+              <a:t>2/23/22</a:t>
             </a:fld>
             <a:endParaRPr lang="en-US"/>
           </a:p>
@@ -1061,7 +1061,7 @@
           <a:p>
             <a:fld id="{6761E3C2-9BEC-E04E-909B-4B2F00AFE974}" type="datetimeFigureOut">
               <a:rPr lang="en-US" smtClean="0"/>
-              <a:t>2/21/22</a:t>
+              <a:t>2/23/22</a:t>
             </a:fld>
             <a:endParaRPr lang="en-US"/>
           </a:p>
@@ -1346,7 +1346,7 @@
           <a:p>
             <a:fld id="{6761E3C2-9BEC-E04E-909B-4B2F00AFE974}" type="datetimeFigureOut">
               <a:rPr lang="en-US" smtClean="0"/>
-              <a:t>2/21/22</a:t>
+              <a:t>2/23/22</a:t>
             </a:fld>
             <a:endParaRPr lang="en-US"/>
           </a:p>
@@ -1765,7 +1765,7 @@
           <a:p>
             <a:fld id="{6761E3C2-9BEC-E04E-909B-4B2F00AFE974}" type="datetimeFigureOut">
               <a:rPr lang="en-US" smtClean="0"/>
-              <a:t>2/21/22</a:t>
+              <a:t>2/23/22</a:t>
             </a:fld>
             <a:endParaRPr lang="en-US"/>
           </a:p>
@@ -1882,7 +1882,7 @@
           <a:p>
             <a:fld id="{6761E3C2-9BEC-E04E-909B-4B2F00AFE974}" type="datetimeFigureOut">
               <a:rPr lang="en-US" smtClean="0"/>
-              <a:t>2/21/22</a:t>
+              <a:t>2/23/22</a:t>
             </a:fld>
             <a:endParaRPr lang="en-US"/>
           </a:p>
@@ -1977,7 +1977,7 @@
           <a:p>
             <a:fld id="{6761E3C2-9BEC-E04E-909B-4B2F00AFE974}" type="datetimeFigureOut">
               <a:rPr lang="en-US" smtClean="0"/>
-              <a:t>2/21/22</a:t>
+              <a:t>2/23/22</a:t>
             </a:fld>
             <a:endParaRPr lang="en-US"/>
           </a:p>
@@ -2252,7 +2252,7 @@
           <a:p>
             <a:fld id="{6761E3C2-9BEC-E04E-909B-4B2F00AFE974}" type="datetimeFigureOut">
               <a:rPr lang="en-US" smtClean="0"/>
-              <a:t>2/21/22</a:t>
+              <a:t>2/23/22</a:t>
             </a:fld>
             <a:endParaRPr lang="en-US"/>
           </a:p>
@@ -2504,7 +2504,7 @@
           <a:p>
             <a:fld id="{6761E3C2-9BEC-E04E-909B-4B2F00AFE974}" type="datetimeFigureOut">
               <a:rPr lang="en-US" smtClean="0"/>
-              <a:t>2/21/22</a:t>
+              <a:t>2/23/22</a:t>
             </a:fld>
             <a:endParaRPr lang="en-US"/>
           </a:p>
@@ -2715,7 +2715,7 @@
           <a:p>
             <a:fld id="{6761E3C2-9BEC-E04E-909B-4B2F00AFE974}" type="datetimeFigureOut">
               <a:rPr lang="en-US" smtClean="0"/>
-              <a:t>2/21/22</a:t>
+              <a:t>2/23/22</a:t>
             </a:fld>
             <a:endParaRPr lang="en-US"/>
           </a:p>
@@ -3127,7 +3127,7 @@
         </p:nvSpPr>
         <p:spPr>
           <a:xfrm rot="16200000">
-            <a:off x="-50564" y="4467389"/>
+            <a:off x="-50564" y="4299962"/>
             <a:ext cx="2165113" cy="369332"/>
           </a:xfrm>
           <a:prstGeom prst="rect">
@@ -3156,8 +3156,8 @@
         </p:nvSpPr>
         <p:spPr>
           <a:xfrm>
-            <a:off x="76602" y="105517"/>
-            <a:ext cx="442436" cy="369332"/>
+            <a:off x="89481" y="169912"/>
+            <a:ext cx="324128" cy="369332"/>
           </a:xfrm>
           <a:prstGeom prst="rect">
             <a:avLst/>
@@ -3172,7 +3172,7 @@
           <a:p>
             <a:r>
               <a:rPr lang="en-US" b="1" dirty="0"/>
-              <a:t>(a)</a:t>
+              <a:t>A</a:t>
             </a:r>
           </a:p>
         </p:txBody>
@@ -3186,7 +3186,7 @@
         <p:spPr>
           <a:xfrm>
             <a:off x="819117" y="2824015"/>
-            <a:ext cx="452355" cy="369332"/>
+            <a:ext cx="314510" cy="369332"/>
           </a:xfrm>
           <a:prstGeom prst="rect">
             <a:avLst/>
@@ -3201,7 +3201,7 @@
           <a:p>
             <a:r>
               <a:rPr lang="en-US" b="1" dirty="0"/>
-              <a:t>(b)</a:t>
+              <a:t>B</a:t>
             </a:r>
           </a:p>
         </p:txBody>
@@ -3214,7 +3214,7 @@
         </p:nvGrpSpPr>
         <p:grpSpPr>
           <a:xfrm>
-            <a:off x="677039" y="6390936"/>
+            <a:off x="677039" y="6223509"/>
             <a:ext cx="837162" cy="323669"/>
             <a:chOff x="7979484" y="2914313"/>
             <a:chExt cx="837162" cy="323669"/>
@@ -3357,7 +3357,7 @@
         </p:nvSpPr>
         <p:spPr>
           <a:xfrm>
-            <a:off x="1997530" y="6467801"/>
+            <a:off x="1997530" y="6300374"/>
             <a:ext cx="692818" cy="307777"/>
           </a:xfrm>
           <a:prstGeom prst="rect">
@@ -3399,7 +3399,7 @@
         </p:nvSpPr>
         <p:spPr>
           <a:xfrm>
-            <a:off x="1824985" y="6533216"/>
+            <a:off x="1824985" y="6365789"/>
             <a:ext cx="171483" cy="174416"/>
           </a:xfrm>
           <a:prstGeom prst="ellipse">
@@ -3446,7 +3446,7 @@
         </p:nvSpPr>
         <p:spPr>
           <a:xfrm>
-            <a:off x="2990911" y="6519346"/>
+            <a:off x="2990911" y="6351919"/>
             <a:ext cx="227784" cy="184727"/>
           </a:xfrm>
           <a:prstGeom prst="triangle">
@@ -3493,7 +3493,7 @@
         </p:nvSpPr>
         <p:spPr>
           <a:xfrm>
-            <a:off x="3240479" y="6467801"/>
+            <a:off x="3240479" y="6300374"/>
             <a:ext cx="1101028" cy="307777"/>
           </a:xfrm>
           <a:prstGeom prst="rect">
@@ -3532,7 +3532,7 @@
         </p:nvSpPr>
         <p:spPr>
           <a:xfrm>
-            <a:off x="1186540" y="39882"/>
+            <a:off x="1186540" y="91398"/>
             <a:ext cx="2401491" cy="369332"/>
           </a:xfrm>
           <a:prstGeom prst="rect">
@@ -3566,7 +3566,7 @@
         </p:nvSpPr>
         <p:spPr>
           <a:xfrm rot="16200000">
-            <a:off x="3594490" y="4612727"/>
+            <a:off x="3594490" y="4445300"/>
             <a:ext cx="877163" cy="307777"/>
           </a:xfrm>
           <a:prstGeom prst="rect">
@@ -3644,7 +3644,7 @@
         </p:nvGrpSpPr>
         <p:grpSpPr>
           <a:xfrm>
-            <a:off x="242096" y="6309287"/>
+            <a:off x="242096" y="6141860"/>
             <a:ext cx="299537" cy="548713"/>
             <a:chOff x="7247000" y="3098800"/>
             <a:chExt cx="316193" cy="669893"/>
@@ -3848,7 +3848,7 @@
         </p:blipFill>
         <p:spPr>
           <a:xfrm>
-            <a:off x="1188592" y="2997057"/>
+            <a:off x="1188592" y="2829630"/>
             <a:ext cx="2752900" cy="3379430"/>
           </a:xfrm>
           <a:prstGeom prst="rect">
@@ -3872,13 +3872,13 @@
         </p:nvPicPr>
         <p:blipFill rotWithShape="1">
           <a:blip r:embed="rId2"/>
-          <a:srcRect l="2921" t="19242" r="46773" b="19131"/>
+          <a:srcRect l="2921" t="21169" r="46773" b="19131"/>
           <a:stretch/>
         </p:blipFill>
         <p:spPr>
           <a:xfrm>
-            <a:off x="569376" y="360042"/>
-            <a:ext cx="3911219" cy="2395674"/>
+            <a:off x="569376" y="434972"/>
+            <a:ext cx="3911219" cy="2320744"/>
           </a:xfrm>
           <a:prstGeom prst="rect">
             <a:avLst/>

--- a/figures/pau/plant isoscape.pptx
+++ b/figures/pau/plant isoscape.pptx
@@ -7,7 +7,7 @@
   <p:sldIdLst>
     <p:sldId id="256" r:id="rId2"/>
   </p:sldIdLst>
-  <p:sldSz cx="4572000" cy="6858000"/>
+  <p:sldSz cx="4114800" cy="6400800"/>
   <p:notesSz cx="6858000" cy="9144000"/>
   <p:defaultTextStyle>
     <a:defPPr>
@@ -107,12 +107,12 @@
   <p:extLst>
     <p:ext uri="{EFAFB233-063F-42B5-8137-9DF3F51BA10A}">
       <p15:sldGuideLst xmlns:p15="http://schemas.microsoft.com/office/powerpoint/2012/main">
-        <p15:guide id="1" orient="horz" pos="2160" userDrawn="1">
+        <p15:guide id="1" orient="horz" pos="2016" userDrawn="1">
           <p15:clr>
             <a:srgbClr val="A4A3A4"/>
           </p15:clr>
         </p15:guide>
-        <p15:guide id="2" pos="1440" userDrawn="1">
+        <p15:guide id="2" pos="1296" userDrawn="1">
           <p15:clr>
             <a:srgbClr val="A4A3A4"/>
           </p15:clr>
@@ -152,8 +152,8 @@
         </p:nvSpPr>
         <p:spPr>
           <a:xfrm>
-            <a:off x="342900" y="2130426"/>
-            <a:ext cx="3886200" cy="1470025"/>
+            <a:off x="308610" y="1988399"/>
+            <a:ext cx="3497580" cy="1372023"/>
           </a:xfrm>
         </p:spPr>
         <p:txBody>
@@ -179,8 +179,8 @@
         </p:nvSpPr>
         <p:spPr>
           <a:xfrm>
-            <a:off x="685800" y="3886200"/>
-            <a:ext cx="3200400" cy="1752600"/>
+            <a:off x="617220" y="3627120"/>
+            <a:ext cx="2880360" cy="1635760"/>
           </a:xfrm>
         </p:spPr>
         <p:txBody>
@@ -302,7 +302,7 @@
           <a:p>
             <a:fld id="{6761E3C2-9BEC-E04E-909B-4B2F00AFE974}" type="datetimeFigureOut">
               <a:rPr lang="en-US" smtClean="0"/>
-              <a:t>2/23/22</a:t>
+              <a:t>7/22/22</a:t>
             </a:fld>
             <a:endParaRPr lang="en-US"/>
           </a:p>
@@ -470,7 +470,7 @@
           <a:p>
             <a:fld id="{6761E3C2-9BEC-E04E-909B-4B2F00AFE974}" type="datetimeFigureOut">
               <a:rPr lang="en-US" smtClean="0"/>
-              <a:t>2/23/22</a:t>
+              <a:t>7/22/22</a:t>
             </a:fld>
             <a:endParaRPr lang="en-US"/>
           </a:p>
@@ -560,8 +560,8 @@
         </p:nvSpPr>
         <p:spPr>
           <a:xfrm>
-            <a:off x="3314700" y="274639"/>
-            <a:ext cx="1028700" cy="5851525"/>
+            <a:off x="2983230" y="256331"/>
+            <a:ext cx="925830" cy="5461423"/>
           </a:xfrm>
         </p:spPr>
         <p:txBody>
@@ -587,8 +587,8 @@
         </p:nvSpPr>
         <p:spPr>
           <a:xfrm>
-            <a:off x="228600" y="274639"/>
-            <a:ext cx="3009900" cy="5851525"/>
+            <a:off x="205740" y="256331"/>
+            <a:ext cx="2708910" cy="5461423"/>
           </a:xfrm>
         </p:spPr>
         <p:txBody>
@@ -648,7 +648,7 @@
           <a:p>
             <a:fld id="{6761E3C2-9BEC-E04E-909B-4B2F00AFE974}" type="datetimeFigureOut">
               <a:rPr lang="en-US" smtClean="0"/>
-              <a:t>2/23/22</a:t>
+              <a:t>7/22/22</a:t>
             </a:fld>
             <a:endParaRPr lang="en-US"/>
           </a:p>
@@ -816,7 +816,7 @@
           <a:p>
             <a:fld id="{6761E3C2-9BEC-E04E-909B-4B2F00AFE974}" type="datetimeFigureOut">
               <a:rPr lang="en-US" smtClean="0"/>
-              <a:t>2/23/22</a:t>
+              <a:t>7/22/22</a:t>
             </a:fld>
             <a:endParaRPr lang="en-US"/>
           </a:p>
@@ -906,8 +906,8 @@
         </p:nvSpPr>
         <p:spPr>
           <a:xfrm>
-            <a:off x="361157" y="4406901"/>
-            <a:ext cx="3886200" cy="1362075"/>
+            <a:off x="325041" y="4113108"/>
+            <a:ext cx="3497580" cy="1271270"/>
           </a:xfrm>
         </p:spPr>
         <p:txBody>
@@ -937,8 +937,8 @@
         </p:nvSpPr>
         <p:spPr>
           <a:xfrm>
-            <a:off x="361157" y="2906713"/>
-            <a:ext cx="3886200" cy="1500187"/>
+            <a:off x="325041" y="2712933"/>
+            <a:ext cx="3497580" cy="1400175"/>
           </a:xfrm>
         </p:spPr>
         <p:txBody>
@@ -1061,7 +1061,7 @@
           <a:p>
             <a:fld id="{6761E3C2-9BEC-E04E-909B-4B2F00AFE974}" type="datetimeFigureOut">
               <a:rPr lang="en-US" smtClean="0"/>
-              <a:t>2/23/22</a:t>
+              <a:t>7/22/22</a:t>
             </a:fld>
             <a:endParaRPr lang="en-US"/>
           </a:p>
@@ -1173,8 +1173,8 @@
         </p:nvSpPr>
         <p:spPr>
           <a:xfrm>
-            <a:off x="228600" y="1600201"/>
-            <a:ext cx="2019300" cy="4525963"/>
+            <a:off x="205740" y="1493521"/>
+            <a:ext cx="1817370" cy="4224232"/>
           </a:xfrm>
         </p:spPr>
         <p:txBody>
@@ -1257,8 +1257,8 @@
         </p:nvSpPr>
         <p:spPr>
           <a:xfrm>
-            <a:off x="2324100" y="1600201"/>
-            <a:ext cx="2019300" cy="4525963"/>
+            <a:off x="2091690" y="1493521"/>
+            <a:ext cx="1817370" cy="4224232"/>
           </a:xfrm>
         </p:spPr>
         <p:txBody>
@@ -1346,7 +1346,7 @@
           <a:p>
             <a:fld id="{6761E3C2-9BEC-E04E-909B-4B2F00AFE974}" type="datetimeFigureOut">
               <a:rPr lang="en-US" smtClean="0"/>
-              <a:t>2/23/22</a:t>
+              <a:t>7/22/22</a:t>
             </a:fld>
             <a:endParaRPr lang="en-US"/>
           </a:p>
@@ -1462,8 +1462,8 @@
         </p:nvSpPr>
         <p:spPr>
           <a:xfrm>
-            <a:off x="228600" y="1535113"/>
-            <a:ext cx="2020094" cy="639762"/>
+            <a:off x="205740" y="1432773"/>
+            <a:ext cx="1818085" cy="597111"/>
           </a:xfrm>
         </p:spPr>
         <p:txBody>
@@ -1527,8 +1527,8 @@
         </p:nvSpPr>
         <p:spPr>
           <a:xfrm>
-            <a:off x="228600" y="2174875"/>
-            <a:ext cx="2020094" cy="3951288"/>
+            <a:off x="205740" y="2029884"/>
+            <a:ext cx="1818085" cy="3687869"/>
           </a:xfrm>
         </p:spPr>
         <p:txBody>
@@ -1611,8 +1611,8 @@
         </p:nvSpPr>
         <p:spPr>
           <a:xfrm>
-            <a:off x="2322513" y="1535113"/>
-            <a:ext cx="2020888" cy="639762"/>
+            <a:off x="2090262" y="1432773"/>
+            <a:ext cx="1818799" cy="597111"/>
           </a:xfrm>
         </p:spPr>
         <p:txBody>
@@ -1676,8 +1676,8 @@
         </p:nvSpPr>
         <p:spPr>
           <a:xfrm>
-            <a:off x="2322513" y="2174875"/>
-            <a:ext cx="2020888" cy="3951288"/>
+            <a:off x="2090262" y="2029884"/>
+            <a:ext cx="1818799" cy="3687869"/>
           </a:xfrm>
         </p:spPr>
         <p:txBody>
@@ -1765,7 +1765,7 @@
           <a:p>
             <a:fld id="{6761E3C2-9BEC-E04E-909B-4B2F00AFE974}" type="datetimeFigureOut">
               <a:rPr lang="en-US" smtClean="0"/>
-              <a:t>2/23/22</a:t>
+              <a:t>7/22/22</a:t>
             </a:fld>
             <a:endParaRPr lang="en-US"/>
           </a:p>
@@ -1882,7 +1882,7 @@
           <a:p>
             <a:fld id="{6761E3C2-9BEC-E04E-909B-4B2F00AFE974}" type="datetimeFigureOut">
               <a:rPr lang="en-US" smtClean="0"/>
-              <a:t>2/23/22</a:t>
+              <a:t>7/22/22</a:t>
             </a:fld>
             <a:endParaRPr lang="en-US"/>
           </a:p>
@@ -1977,7 +1977,7 @@
           <a:p>
             <a:fld id="{6761E3C2-9BEC-E04E-909B-4B2F00AFE974}" type="datetimeFigureOut">
               <a:rPr lang="en-US" smtClean="0"/>
-              <a:t>2/23/22</a:t>
+              <a:t>7/22/22</a:t>
             </a:fld>
             <a:endParaRPr lang="en-US"/>
           </a:p>
@@ -2067,8 +2067,8 @@
         </p:nvSpPr>
         <p:spPr>
           <a:xfrm>
-            <a:off x="228600" y="273050"/>
-            <a:ext cx="1504157" cy="1162050"/>
+            <a:off x="205742" y="254847"/>
+            <a:ext cx="1353741" cy="1084580"/>
           </a:xfrm>
         </p:spPr>
         <p:txBody>
@@ -2098,8 +2098,8 @@
         </p:nvSpPr>
         <p:spPr>
           <a:xfrm>
-            <a:off x="1787525" y="273051"/>
-            <a:ext cx="2555875" cy="5853113"/>
+            <a:off x="1608774" y="254849"/>
+            <a:ext cx="2300288" cy="5462905"/>
           </a:xfrm>
         </p:spPr>
         <p:txBody>
@@ -2182,8 +2182,8 @@
         </p:nvSpPr>
         <p:spPr>
           <a:xfrm>
-            <a:off x="228600" y="1435101"/>
-            <a:ext cx="1504157" cy="4691063"/>
+            <a:off x="205742" y="1339429"/>
+            <a:ext cx="1353741" cy="4378325"/>
           </a:xfrm>
         </p:spPr>
         <p:txBody>
@@ -2252,7 +2252,7 @@
           <a:p>
             <a:fld id="{6761E3C2-9BEC-E04E-909B-4B2F00AFE974}" type="datetimeFigureOut">
               <a:rPr lang="en-US" smtClean="0"/>
-              <a:t>2/23/22</a:t>
+              <a:t>7/22/22</a:t>
             </a:fld>
             <a:endParaRPr lang="en-US"/>
           </a:p>
@@ -2342,8 +2342,8 @@
         </p:nvSpPr>
         <p:spPr>
           <a:xfrm>
-            <a:off x="896144" y="4800600"/>
-            <a:ext cx="2743200" cy="566738"/>
+            <a:off x="806530" y="4480561"/>
+            <a:ext cx="2468880" cy="528955"/>
           </a:xfrm>
         </p:spPr>
         <p:txBody>
@@ -2373,8 +2373,8 @@
         </p:nvSpPr>
         <p:spPr>
           <a:xfrm>
-            <a:off x="896144" y="612775"/>
-            <a:ext cx="2743200" cy="4114800"/>
+            <a:off x="806530" y="571923"/>
+            <a:ext cx="2468880" cy="3840480"/>
           </a:xfrm>
         </p:spPr>
         <p:txBody>
@@ -2434,8 +2434,8 @@
         </p:nvSpPr>
         <p:spPr>
           <a:xfrm>
-            <a:off x="896144" y="5367338"/>
-            <a:ext cx="2743200" cy="804862"/>
+            <a:off x="806530" y="5009516"/>
+            <a:ext cx="2468880" cy="751205"/>
           </a:xfrm>
         </p:spPr>
         <p:txBody>
@@ -2504,7 +2504,7 @@
           <a:p>
             <a:fld id="{6761E3C2-9BEC-E04E-909B-4B2F00AFE974}" type="datetimeFigureOut">
               <a:rPr lang="en-US" smtClean="0"/>
-              <a:t>2/23/22</a:t>
+              <a:t>7/22/22</a:t>
             </a:fld>
             <a:endParaRPr lang="en-US"/>
           </a:p>
@@ -2599,8 +2599,8 @@
         </p:nvSpPr>
         <p:spPr>
           <a:xfrm>
-            <a:off x="228600" y="274638"/>
-            <a:ext cx="4114800" cy="1143000"/>
+            <a:off x="205740" y="256329"/>
+            <a:ext cx="3703320" cy="1066800"/>
           </a:xfrm>
           <a:prstGeom prst="rect">
             <a:avLst/>
@@ -2631,8 +2631,8 @@
         </p:nvSpPr>
         <p:spPr>
           <a:xfrm>
-            <a:off x="228600" y="1600201"/>
-            <a:ext cx="4114800" cy="4525963"/>
+            <a:off x="205740" y="1493521"/>
+            <a:ext cx="3703320" cy="4224232"/>
           </a:xfrm>
           <a:prstGeom prst="rect">
             <a:avLst/>
@@ -2692,8 +2692,8 @@
         </p:nvSpPr>
         <p:spPr>
           <a:xfrm>
-            <a:off x="228600" y="6356351"/>
-            <a:ext cx="1066800" cy="365125"/>
+            <a:off x="205740" y="5932596"/>
+            <a:ext cx="960120" cy="340783"/>
           </a:xfrm>
           <a:prstGeom prst="rect">
             <a:avLst/>
@@ -2715,7 +2715,7 @@
           <a:p>
             <a:fld id="{6761E3C2-9BEC-E04E-909B-4B2F00AFE974}" type="datetimeFigureOut">
               <a:rPr lang="en-US" smtClean="0"/>
-              <a:t>2/23/22</a:t>
+              <a:t>7/22/22</a:t>
             </a:fld>
             <a:endParaRPr lang="en-US"/>
           </a:p>
@@ -2733,8 +2733,8 @@
         </p:nvSpPr>
         <p:spPr>
           <a:xfrm>
-            <a:off x="1562100" y="6356351"/>
-            <a:ext cx="1447800" cy="365125"/>
+            <a:off x="1405890" y="5932596"/>
+            <a:ext cx="1303020" cy="340783"/>
           </a:xfrm>
           <a:prstGeom prst="rect">
             <a:avLst/>
@@ -2770,8 +2770,8 @@
         </p:nvSpPr>
         <p:spPr>
           <a:xfrm>
-            <a:off x="3276600" y="6356351"/>
-            <a:ext cx="1066800" cy="365125"/>
+            <a:off x="2948940" y="5932596"/>
+            <a:ext cx="960120" cy="340783"/>
           </a:xfrm>
           <a:prstGeom prst="rect">
             <a:avLst/>
@@ -3090,16 +3090,80 @@
           <a:chExt cx="0" cy="0"/>
         </a:xfrm>
       </p:grpSpPr>
-      <p:sp>
-        <p:nvSpPr>
-          <p:cNvPr id="12" name="TextBox 11"/>
+      <p:pic>
+        <p:nvPicPr>
+          <p:cNvPr id="6" name="Picture 5" descr="Chart, diagram&#10;&#10;Description automatically generated">
+            <a:extLst>
+              <a:ext uri="{FF2B5EF4-FFF2-40B4-BE49-F238E27FC236}">
+                <a16:creationId xmlns:a16="http://schemas.microsoft.com/office/drawing/2014/main" id="{E740A1E4-5E9C-E34A-B8F4-B9D18F081A80}"/>
+              </a:ext>
+            </a:extLst>
+          </p:cNvPr>
+          <p:cNvPicPr>
+            <a:picLocks noChangeAspect="1"/>
+          </p:cNvPicPr>
+          <p:nvPr/>
+        </p:nvPicPr>
+        <p:blipFill rotWithShape="1">
+          <a:blip r:embed="rId2"/>
+          <a:srcRect l="2304" t="20154" r="51022" b="20501"/>
+          <a:stretch/>
+        </p:blipFill>
+        <p:spPr>
+          <a:xfrm>
+            <a:off x="494600" y="154858"/>
+            <a:ext cx="3480392" cy="2212619"/>
+          </a:xfrm>
+          <a:prstGeom prst="rect">
+            <a:avLst/>
+          </a:prstGeom>
+        </p:spPr>
+      </p:pic>
+      <p:pic>
+        <p:nvPicPr>
+          <p:cNvPr id="29" name="Picture 28" descr="Chart, diagram&#10;&#10;Description automatically generated">
+            <a:extLst>
+              <a:ext uri="{FF2B5EF4-FFF2-40B4-BE49-F238E27FC236}">
+                <a16:creationId xmlns:a16="http://schemas.microsoft.com/office/drawing/2014/main" id="{8EB5701F-8D28-6F45-9F71-770AACADDF63}"/>
+              </a:ext>
+            </a:extLst>
+          </p:cNvPr>
+          <p:cNvPicPr>
+            <a:picLocks noChangeAspect="1"/>
+          </p:cNvPicPr>
+          <p:nvPr/>
+        </p:nvPicPr>
+        <p:blipFill rotWithShape="1">
+          <a:blip r:embed="rId2"/>
+          <a:srcRect l="58630" t="7196" b="3226"/>
+          <a:stretch/>
+        </p:blipFill>
+        <p:spPr>
+          <a:xfrm>
+            <a:off x="431750" y="2521927"/>
+            <a:ext cx="3446208" cy="3730973"/>
+          </a:xfrm>
+          <a:prstGeom prst="rect">
+            <a:avLst/>
+          </a:prstGeom>
+        </p:spPr>
+      </p:pic>
+      <p:sp>
+        <p:nvSpPr>
+          <p:cNvPr id="30" name="TextBox 29">
+            <a:extLst>
+              <a:ext uri="{FF2B5EF4-FFF2-40B4-BE49-F238E27FC236}">
+                <a16:creationId xmlns:a16="http://schemas.microsoft.com/office/drawing/2014/main" id="{85A6D202-15FC-AE42-BB14-48040862E6C6}"/>
+              </a:ext>
+            </a:extLst>
+          </p:cNvPr>
           <p:cNvSpPr txBox="1"/>
           <p:nvPr/>
         </p:nvSpPr>
         <p:spPr>
           <a:xfrm rot="16200000">
-            <a:off x="-784947" y="1443794"/>
-            <a:ext cx="2042258" cy="369332"/>
+            <a:off x="-658977" y="1192264"/>
+            <a:ext cx="1854995" cy="307777"/>
           </a:xfrm>
           <a:prstGeom prst="rect">
             <a:avLst/>
@@ -3113,7 +3177,10 @@
           <a:lstStyle/>
           <a:p>
             <a:r>
-              <a:rPr lang="en-US" b="1" dirty="0"/>
+              <a:rPr lang="en-US" sz="1400" b="1" dirty="0">
+                <a:latin typeface="Arial" panose="020B0604020202020204" pitchFamily="34" charset="0"/>
+                <a:cs typeface="Arial" panose="020B0604020202020204" pitchFamily="34" charset="0"/>
+              </a:rPr>
               <a:t>Koa Plantation (KP)</a:t>
             </a:r>
           </a:p>
@@ -3121,14 +3188,20 @@
       </p:sp>
       <p:sp>
         <p:nvSpPr>
-          <p:cNvPr id="13" name="TextBox 12"/>
+          <p:cNvPr id="32" name="TextBox 31">
+            <a:extLst>
+              <a:ext uri="{FF2B5EF4-FFF2-40B4-BE49-F238E27FC236}">
+                <a16:creationId xmlns:a16="http://schemas.microsoft.com/office/drawing/2014/main" id="{432CC6A7-1B30-2E44-ACC5-094E0A24F204}"/>
+              </a:ext>
+            </a:extLst>
+          </p:cNvPr>
           <p:cNvSpPr txBox="1"/>
           <p:nvPr/>
         </p:nvSpPr>
         <p:spPr>
           <a:xfrm rot="16200000">
-            <a:off x="-50564" y="4299962"/>
-            <a:ext cx="2165113" cy="369332"/>
+            <a:off x="-713041" y="3977616"/>
+            <a:ext cx="1975221" cy="307777"/>
           </a:xfrm>
           <a:prstGeom prst="rect">
             <a:avLst/>
@@ -3142,7 +3215,10 @@
           <a:lstStyle/>
           <a:p>
             <a:r>
-              <a:rPr lang="en-US" b="1" dirty="0"/>
+              <a:rPr lang="en-US" sz="1400" b="1" dirty="0">
+                <a:latin typeface="Arial" panose="020B0604020202020204" pitchFamily="34" charset="0"/>
+                <a:cs typeface="Arial" panose="020B0604020202020204" pitchFamily="34" charset="0"/>
+              </a:rPr>
               <a:t>Remnant Forest (RK)</a:t>
             </a:r>
           </a:p>
@@ -3150,14 +3226,20 @@
       </p:sp>
       <p:sp>
         <p:nvSpPr>
-          <p:cNvPr id="17" name="TextBox 16"/>
+          <p:cNvPr id="33" name="TextBox 32">
+            <a:extLst>
+              <a:ext uri="{FF2B5EF4-FFF2-40B4-BE49-F238E27FC236}">
+                <a16:creationId xmlns:a16="http://schemas.microsoft.com/office/drawing/2014/main" id="{D50EF038-EC31-FA4E-856A-0BED3BF5470D}"/>
+              </a:ext>
+            </a:extLst>
+          </p:cNvPr>
           <p:cNvSpPr txBox="1"/>
           <p:nvPr/>
         </p:nvSpPr>
         <p:spPr>
           <a:xfrm>
-            <a:off x="89481" y="169912"/>
-            <a:ext cx="324128" cy="369332"/>
+            <a:off x="494599" y="36291"/>
+            <a:ext cx="295274" cy="276999"/>
           </a:xfrm>
           <a:prstGeom prst="rect">
             <a:avLst/>
@@ -3171,7 +3253,10 @@
           <a:lstStyle/>
           <a:p>
             <a:r>
-              <a:rPr lang="en-US" b="1" dirty="0"/>
+              <a:rPr lang="en-US" sz="1200" b="1" dirty="0">
+                <a:latin typeface="Arial" panose="020B0604020202020204" pitchFamily="34" charset="0"/>
+                <a:cs typeface="Arial" panose="020B0604020202020204" pitchFamily="34" charset="0"/>
+              </a:rPr>
               <a:t>A</a:t>
             </a:r>
           </a:p>
@@ -3179,14 +3264,20 @@
       </p:sp>
       <p:sp>
         <p:nvSpPr>
-          <p:cNvPr id="19" name="TextBox 18"/>
+          <p:cNvPr id="36" name="TextBox 35">
+            <a:extLst>
+              <a:ext uri="{FF2B5EF4-FFF2-40B4-BE49-F238E27FC236}">
+                <a16:creationId xmlns:a16="http://schemas.microsoft.com/office/drawing/2014/main" id="{458229FE-E1E5-2547-8415-CC0840052C6E}"/>
+              </a:ext>
+            </a:extLst>
+          </p:cNvPr>
           <p:cNvSpPr txBox="1"/>
           <p:nvPr/>
         </p:nvSpPr>
         <p:spPr>
           <a:xfrm>
-            <a:off x="819117" y="2824015"/>
-            <a:ext cx="314510" cy="369332"/>
+            <a:off x="455962" y="2370550"/>
+            <a:ext cx="295274" cy="276999"/>
           </a:xfrm>
           <a:prstGeom prst="rect">
             <a:avLst/>
@@ -3200,36 +3291,198 @@
           <a:lstStyle/>
           <a:p>
             <a:r>
-              <a:rPr lang="en-US" b="1" dirty="0"/>
+              <a:rPr lang="en-US" sz="1200" b="1" dirty="0">
+                <a:latin typeface="Arial" panose="020B0604020202020204" pitchFamily="34" charset="0"/>
+                <a:cs typeface="Arial" panose="020B0604020202020204" pitchFamily="34" charset="0"/>
+              </a:rPr>
               <a:t>B</a:t>
             </a:r>
+          </a:p>
+        </p:txBody>
+      </p:sp>
+      <p:sp>
+        <p:nvSpPr>
+          <p:cNvPr id="37" name="TextBox 36">
+            <a:extLst>
+              <a:ext uri="{FF2B5EF4-FFF2-40B4-BE49-F238E27FC236}">
+                <a16:creationId xmlns:a16="http://schemas.microsoft.com/office/drawing/2014/main" id="{75D47CEC-D814-3549-A79C-991264348786}"/>
+              </a:ext>
+            </a:extLst>
+          </p:cNvPr>
+          <p:cNvSpPr txBox="1"/>
+          <p:nvPr/>
+        </p:nvSpPr>
+        <p:spPr>
+          <a:xfrm>
+            <a:off x="1628751" y="-56044"/>
+            <a:ext cx="1249060" cy="369332"/>
+          </a:xfrm>
+          <a:prstGeom prst="rect">
+            <a:avLst/>
+          </a:prstGeom>
+          <a:noFill/>
+        </p:spPr>
+        <p:txBody>
+          <a:bodyPr wrap="none" rtlCol="0">
+            <a:spAutoFit/>
+          </a:bodyPr>
+          <a:lstStyle/>
+          <a:p>
+            <a:r>
+              <a:rPr lang="en-US" sz="1600" dirty="0">
+                <a:latin typeface="Arial" panose="020B0604020202020204" pitchFamily="34" charset="0"/>
+                <a:cs typeface="Arial" panose="020B0604020202020204" pitchFamily="34" charset="0"/>
+              </a:rPr>
+              <a:t>Foliar</a:t>
+            </a:r>
+            <a:r>
+              <a:rPr lang="el-GR" sz="1600" dirty="0">
+                <a:latin typeface="Arial" panose="020B0604020202020204" pitchFamily="34" charset="0"/>
+                <a:cs typeface="Arial" panose="020B0604020202020204" pitchFamily="34" charset="0"/>
+              </a:rPr>
+              <a:t> δ</a:t>
+            </a:r>
+            <a:r>
+              <a:rPr lang="el-GR" baseline="30000" dirty="0">
+                <a:latin typeface="Arial" panose="020B0604020202020204" pitchFamily="34" charset="0"/>
+                <a:cs typeface="Arial" panose="020B0604020202020204" pitchFamily="34" charset="0"/>
+              </a:rPr>
+              <a:t>1</a:t>
+            </a:r>
+            <a:r>
+              <a:rPr lang="en-US" baseline="30000" dirty="0">
+                <a:latin typeface="Arial" panose="020B0604020202020204" pitchFamily="34" charset="0"/>
+                <a:cs typeface="Arial" panose="020B0604020202020204" pitchFamily="34" charset="0"/>
+              </a:rPr>
+              <a:t>5</a:t>
+            </a:r>
+            <a:r>
+              <a:rPr lang="en-US" sz="1600" dirty="0">
+                <a:latin typeface="Arial" panose="020B0604020202020204" pitchFamily="34" charset="0"/>
+                <a:cs typeface="Arial" panose="020B0604020202020204" pitchFamily="34" charset="0"/>
+              </a:rPr>
+              <a:t>N</a:t>
+            </a:r>
+            <a:r>
+              <a:rPr lang="el-GR" dirty="0">
+                <a:latin typeface="Arial" panose="020B0604020202020204" pitchFamily="34" charset="0"/>
+                <a:cs typeface="Arial" panose="020B0604020202020204" pitchFamily="34" charset="0"/>
+              </a:rPr>
+              <a:t> </a:t>
+            </a:r>
+            <a:endParaRPr lang="en-US" dirty="0">
+              <a:latin typeface="Arial" panose="020B0604020202020204" pitchFamily="34" charset="0"/>
+              <a:cs typeface="Arial" panose="020B0604020202020204" pitchFamily="34" charset="0"/>
+            </a:endParaRPr>
+          </a:p>
+        </p:txBody>
+      </p:sp>
+      <p:sp>
+        <p:nvSpPr>
+          <p:cNvPr id="38" name="TextBox 37">
+            <a:extLst>
+              <a:ext uri="{FF2B5EF4-FFF2-40B4-BE49-F238E27FC236}">
+                <a16:creationId xmlns:a16="http://schemas.microsoft.com/office/drawing/2014/main" id="{5D449F3D-AB0B-E74B-963F-858C26BCBE0E}"/>
+              </a:ext>
+            </a:extLst>
+          </p:cNvPr>
+          <p:cNvSpPr txBox="1"/>
+          <p:nvPr/>
+        </p:nvSpPr>
+        <p:spPr>
+          <a:xfrm>
+            <a:off x="2459250" y="2370549"/>
+            <a:ext cx="736099" cy="276999"/>
+          </a:xfrm>
+          <a:prstGeom prst="rect">
+            <a:avLst/>
+          </a:prstGeom>
+          <a:noFill/>
+        </p:spPr>
+        <p:txBody>
+          <a:bodyPr wrap="none" rtlCol="0">
+            <a:spAutoFit/>
+          </a:bodyPr>
+          <a:lstStyle/>
+          <a:p>
+            <a:r>
+              <a:rPr lang="el-GR" sz="1200" dirty="0">
+                <a:latin typeface="Arial" panose="020B0604020202020204" pitchFamily="34" charset="0"/>
+                <a:cs typeface="Arial" panose="020B0604020202020204" pitchFamily="34" charset="0"/>
+              </a:rPr>
+              <a:t>δ</a:t>
+            </a:r>
+            <a:r>
+              <a:rPr lang="el-GR" sz="1200" baseline="30000" dirty="0">
+                <a:latin typeface="Arial" panose="020B0604020202020204" pitchFamily="34" charset="0"/>
+                <a:cs typeface="Arial" panose="020B0604020202020204" pitchFamily="34" charset="0"/>
+              </a:rPr>
+              <a:t>1</a:t>
+            </a:r>
+            <a:r>
+              <a:rPr lang="en-US" sz="1200" baseline="30000" dirty="0">
+                <a:latin typeface="Arial" panose="020B0604020202020204" pitchFamily="34" charset="0"/>
+                <a:cs typeface="Arial" panose="020B0604020202020204" pitchFamily="34" charset="0"/>
+              </a:rPr>
+              <a:t>5</a:t>
+            </a:r>
+            <a:r>
+              <a:rPr lang="en-US" sz="1200" dirty="0">
+                <a:latin typeface="Arial" panose="020B0604020202020204" pitchFamily="34" charset="0"/>
+                <a:cs typeface="Arial" panose="020B0604020202020204" pitchFamily="34" charset="0"/>
+              </a:rPr>
+              <a:t>N</a:t>
+            </a:r>
+            <a:r>
+              <a:rPr lang="el-GR" sz="1200" dirty="0">
+                <a:latin typeface="Arial" panose="020B0604020202020204" pitchFamily="34" charset="0"/>
+                <a:cs typeface="Arial" panose="020B0604020202020204" pitchFamily="34" charset="0"/>
+              </a:rPr>
+              <a:t> ‰ </a:t>
+            </a:r>
+            <a:endParaRPr lang="en-US" sz="1200" dirty="0">
+              <a:latin typeface="Arial" panose="020B0604020202020204" pitchFamily="34" charset="0"/>
+              <a:cs typeface="Arial" panose="020B0604020202020204" pitchFamily="34" charset="0"/>
+            </a:endParaRPr>
           </a:p>
         </p:txBody>
       </p:sp>
       <p:grpSp>
         <p:nvGrpSpPr>
-          <p:cNvPr id="50" name="Group 49"/>
+          <p:cNvPr id="61" name="Group 60">
+            <a:extLst>
+              <a:ext uri="{FF2B5EF4-FFF2-40B4-BE49-F238E27FC236}">
+                <a16:creationId xmlns:a16="http://schemas.microsoft.com/office/drawing/2014/main" id="{09159EC0-BE93-814B-A9FF-79CA70905807}"/>
+              </a:ext>
+            </a:extLst>
+          </p:cNvPr>
           <p:cNvGrpSpPr/>
           <p:nvPr/>
         </p:nvGrpSpPr>
         <p:grpSpPr>
           <a:xfrm>
-            <a:off x="677039" y="6223509"/>
-            <a:ext cx="837162" cy="323669"/>
-            <a:chOff x="7979484" y="2914313"/>
-            <a:chExt cx="837162" cy="323669"/>
+            <a:off x="3097398" y="2415814"/>
+            <a:ext cx="595488" cy="215444"/>
+            <a:chOff x="7910036" y="2959283"/>
+            <a:chExt cx="595488" cy="215444"/>
           </a:xfrm>
         </p:grpSpPr>
         <p:sp>
           <p:nvSpPr>
-            <p:cNvPr id="47" name="TextBox 46"/>
+            <p:cNvPr id="62" name="TextBox 61">
+              <a:extLst>
+                <a:ext uri="{FF2B5EF4-FFF2-40B4-BE49-F238E27FC236}">
+                  <a16:creationId xmlns:a16="http://schemas.microsoft.com/office/drawing/2014/main" id="{6BDAE5E4-767B-2346-908E-34E91BDB2A5D}"/>
+                </a:ext>
+              </a:extLst>
+            </p:cNvPr>
             <p:cNvSpPr txBox="1"/>
             <p:nvPr/>
           </p:nvSpPr>
           <p:spPr>
             <a:xfrm>
-              <a:off x="7979484" y="2914313"/>
-              <a:ext cx="595488" cy="276999"/>
+              <a:off x="7910036" y="2959283"/>
+              <a:ext cx="595488" cy="215444"/>
             </a:xfrm>
             <a:prstGeom prst="rect">
               <a:avLst/>
@@ -3242,8 +3495,9 @@
             </a:bodyPr>
             <a:lstStyle/>
             <a:p>
+              <a:pPr algn="r"/>
               <a:r>
-                <a:rPr lang="en-US" sz="1200" dirty="0">
+                <a:rPr lang="en-US" sz="800" dirty="0">
                   <a:latin typeface="Arial"/>
                   <a:cs typeface="Arial"/>
                 </a:rPr>
@@ -3254,14 +3508,20 @@
         </p:sp>
         <p:sp>
           <p:nvSpPr>
-            <p:cNvPr id="48" name="Rectangle 47"/>
+            <p:cNvPr id="63" name="Rectangle 62">
+              <a:extLst>
+                <a:ext uri="{FF2B5EF4-FFF2-40B4-BE49-F238E27FC236}">
+                  <a16:creationId xmlns:a16="http://schemas.microsoft.com/office/drawing/2014/main" id="{16704BAD-8945-2249-9845-8E57C77F3DE2}"/>
+                </a:ext>
+              </a:extLst>
+            </p:cNvPr>
             <p:cNvSpPr/>
             <p:nvPr/>
           </p:nvSpPr>
           <p:spPr>
             <a:xfrm>
-              <a:off x="7990371" y="3170853"/>
-              <a:ext cx="417285" cy="67129"/>
+              <a:off x="7990371" y="3125637"/>
+              <a:ext cx="417285" cy="45719"/>
             </a:xfrm>
             <a:prstGeom prst="rect">
               <a:avLst/>
@@ -3299,360 +3559,36 @@
             </a:p>
           </p:txBody>
         </p:sp>
-        <p:sp>
-          <p:nvSpPr>
-            <p:cNvPr id="49" name="Rectangle 48"/>
-            <p:cNvSpPr/>
-            <p:nvPr/>
-          </p:nvSpPr>
-          <p:spPr>
-            <a:xfrm>
-              <a:off x="8399361" y="3170853"/>
-              <a:ext cx="417285" cy="67129"/>
-            </a:xfrm>
-            <a:prstGeom prst="rect">
-              <a:avLst/>
-            </a:prstGeom>
-            <a:solidFill>
-              <a:schemeClr val="bg1">
-                <a:lumMod val="75000"/>
-              </a:schemeClr>
-            </a:solidFill>
-            <a:ln w="6350" cmpd="sng">
-              <a:solidFill>
-                <a:srgbClr val="000000"/>
-              </a:solidFill>
-            </a:ln>
-            <a:effectLst/>
-          </p:spPr>
-          <p:style>
-            <a:lnRef idx="1">
-              <a:schemeClr val="accent1"/>
-            </a:lnRef>
-            <a:fillRef idx="3">
-              <a:schemeClr val="accent1"/>
-            </a:fillRef>
-            <a:effectRef idx="2">
-              <a:schemeClr val="accent1"/>
-            </a:effectRef>
-            <a:fontRef idx="minor">
-              <a:schemeClr val="lt1"/>
-            </a:fontRef>
-          </p:style>
-          <p:txBody>
-            <a:bodyPr rtlCol="0" anchor="ctr"/>
-            <a:lstStyle/>
-            <a:p>
-              <a:pPr algn="ctr"/>
-              <a:endParaRPr lang="en-US"/>
-            </a:p>
-          </p:txBody>
-        </p:sp>
       </p:grpSp>
-      <p:sp>
-        <p:nvSpPr>
-          <p:cNvPr id="64" name="Rectangle 63"/>
-          <p:cNvSpPr/>
-          <p:nvPr/>
-        </p:nvSpPr>
-        <p:spPr>
-          <a:xfrm>
-            <a:off x="1997530" y="6300374"/>
-            <a:ext cx="692818" cy="307777"/>
-          </a:xfrm>
-          <a:prstGeom prst="rect">
-            <a:avLst/>
-          </a:prstGeom>
-        </p:spPr>
-        <p:txBody>
-          <a:bodyPr wrap="none">
-            <a:spAutoFit/>
-          </a:bodyPr>
-          <a:lstStyle/>
-          <a:p>
-            <a:r>
-              <a:rPr lang="en-US" sz="1400" i="1" dirty="0">
-                <a:latin typeface="Arial"/>
-                <a:cs typeface="Arial"/>
-              </a:rPr>
-              <a:t>A. </a:t>
-            </a:r>
-            <a:r>
-              <a:rPr lang="en-US" sz="1400" i="1" dirty="0" err="1">
-                <a:latin typeface="Arial"/>
-                <a:cs typeface="Arial"/>
-              </a:rPr>
-              <a:t>koa</a:t>
-            </a:r>
-            <a:endParaRPr lang="en-US" sz="1400" i="1" dirty="0">
-              <a:latin typeface="Arial"/>
-              <a:cs typeface="Arial"/>
-            </a:endParaRPr>
-          </a:p>
-        </p:txBody>
-      </p:sp>
-      <p:sp>
-        <p:nvSpPr>
-          <p:cNvPr id="65" name="Oval 64"/>
-          <p:cNvSpPr/>
-          <p:nvPr/>
-        </p:nvSpPr>
-        <p:spPr>
-          <a:xfrm>
-            <a:off x="1824985" y="6365789"/>
-            <a:ext cx="171483" cy="174416"/>
-          </a:xfrm>
-          <a:prstGeom prst="ellipse">
-            <a:avLst/>
-          </a:prstGeom>
-          <a:solidFill>
-            <a:schemeClr val="tx1"/>
-          </a:solidFill>
-          <a:ln>
-            <a:solidFill>
-              <a:srgbClr val="000000"/>
-            </a:solidFill>
-          </a:ln>
-          <a:effectLst/>
-        </p:spPr>
-        <p:style>
-          <a:lnRef idx="1">
-            <a:schemeClr val="accent1"/>
-          </a:lnRef>
-          <a:fillRef idx="3">
-            <a:schemeClr val="accent1"/>
-          </a:fillRef>
-          <a:effectRef idx="2">
-            <a:schemeClr val="accent1"/>
-          </a:effectRef>
-          <a:fontRef idx="minor">
-            <a:schemeClr val="lt1"/>
-          </a:fontRef>
-        </p:style>
-        <p:txBody>
-          <a:bodyPr rtlCol="0" anchor="ctr"/>
-          <a:lstStyle/>
-          <a:p>
-            <a:pPr algn="ctr"/>
-            <a:endParaRPr lang="en-US"/>
-          </a:p>
-        </p:txBody>
-      </p:sp>
-      <p:sp>
-        <p:nvSpPr>
-          <p:cNvPr id="66" name="Isosceles Triangle 65"/>
-          <p:cNvSpPr/>
-          <p:nvPr/>
-        </p:nvSpPr>
-        <p:spPr>
-          <a:xfrm>
-            <a:off x="2990911" y="6351919"/>
-            <a:ext cx="227784" cy="184727"/>
-          </a:xfrm>
-          <a:prstGeom prst="triangle">
-            <a:avLst/>
-          </a:prstGeom>
-          <a:solidFill>
-            <a:srgbClr val="000000"/>
-          </a:solidFill>
-          <a:ln>
-            <a:solidFill>
-              <a:srgbClr val="000000"/>
-            </a:solidFill>
-          </a:ln>
-          <a:effectLst/>
-        </p:spPr>
-        <p:style>
-          <a:lnRef idx="1">
-            <a:schemeClr val="accent1"/>
-          </a:lnRef>
-          <a:fillRef idx="3">
-            <a:schemeClr val="accent1"/>
-          </a:fillRef>
-          <a:effectRef idx="2">
-            <a:schemeClr val="accent1"/>
-          </a:effectRef>
-          <a:fontRef idx="minor">
-            <a:schemeClr val="lt1"/>
-          </a:fontRef>
-        </p:style>
-        <p:txBody>
-          <a:bodyPr rtlCol="0" anchor="ctr"/>
-          <a:lstStyle/>
-          <a:p>
-            <a:pPr algn="ctr"/>
-            <a:endParaRPr lang="en-US"/>
-          </a:p>
-        </p:txBody>
-      </p:sp>
-      <p:sp>
-        <p:nvSpPr>
-          <p:cNvPr id="67" name="TextBox 66"/>
-          <p:cNvSpPr txBox="1"/>
-          <p:nvPr/>
-        </p:nvSpPr>
-        <p:spPr>
-          <a:xfrm>
-            <a:off x="3240479" y="6300374"/>
-            <a:ext cx="1101028" cy="307777"/>
-          </a:xfrm>
-          <a:prstGeom prst="rect">
-            <a:avLst/>
-          </a:prstGeom>
-          <a:noFill/>
-        </p:spPr>
-        <p:txBody>
-          <a:bodyPr wrap="none" rtlCol="0">
-            <a:spAutoFit/>
-          </a:bodyPr>
-          <a:lstStyle/>
-          <a:p>
-            <a:r>
-              <a:rPr lang="en-US" sz="1400" i="1" dirty="0" err="1">
-                <a:latin typeface="Arial"/>
-                <a:cs typeface="Arial"/>
-              </a:rPr>
-              <a:t>Rubus</a:t>
-            </a:r>
-            <a:r>
-              <a:rPr lang="en-US" sz="1400" dirty="0">
-                <a:latin typeface="Arial"/>
-                <a:cs typeface="Arial"/>
-              </a:rPr>
-              <a:t> spp.</a:t>
-            </a:r>
-          </a:p>
-        </p:txBody>
-      </p:sp>
-      <p:sp>
-        <p:nvSpPr>
-          <p:cNvPr id="15" name="TextBox 14"/>
-          <p:cNvSpPr txBox="1"/>
-          <p:nvPr/>
-        </p:nvSpPr>
-        <p:spPr>
-          <a:xfrm>
-            <a:off x="1186540" y="91398"/>
-            <a:ext cx="2401491" cy="369332"/>
-          </a:xfrm>
-          <a:prstGeom prst="rect">
-            <a:avLst/>
-          </a:prstGeom>
-          <a:noFill/>
-        </p:spPr>
-        <p:txBody>
-          <a:bodyPr wrap="none" rtlCol="0">
-            <a:spAutoFit/>
-          </a:bodyPr>
-          <a:lstStyle/>
-          <a:p>
-            <a:r>
-              <a:rPr lang="en-US" i="1" dirty="0"/>
-              <a:t>Foliar nitrogen </a:t>
-            </a:r>
-            <a:r>
-              <a:rPr lang="en-US" i="1" dirty="0" err="1"/>
-              <a:t>isoscape</a:t>
-            </a:r>
-            <a:endParaRPr lang="en-US" i="1" dirty="0"/>
-          </a:p>
-        </p:txBody>
-      </p:sp>
-      <p:sp>
-        <p:nvSpPr>
-          <p:cNvPr id="11" name="TextBox 10"/>
-          <p:cNvSpPr txBox="1"/>
-          <p:nvPr/>
-        </p:nvSpPr>
-        <p:spPr>
-          <a:xfrm rot="16200000">
-            <a:off x="3594490" y="4445300"/>
-            <a:ext cx="877163" cy="307777"/>
-          </a:xfrm>
-          <a:prstGeom prst="rect">
-            <a:avLst/>
-          </a:prstGeom>
-          <a:noFill/>
-        </p:spPr>
-        <p:txBody>
-          <a:bodyPr wrap="none" rtlCol="0">
-            <a:spAutoFit/>
-          </a:bodyPr>
-          <a:lstStyle/>
-          <a:p>
-            <a:r>
-              <a:rPr lang="el-GR" sz="1400" dirty="0">
-                <a:latin typeface="Arial"/>
-                <a:cs typeface="Arial"/>
-              </a:rPr>
-              <a:t>δ</a:t>
-            </a:r>
-            <a:r>
-              <a:rPr lang="el-GR" sz="1400" baseline="30000" dirty="0">
-                <a:latin typeface="Arial"/>
-                <a:cs typeface="Arial"/>
-              </a:rPr>
-              <a:t>1</a:t>
-            </a:r>
-            <a:r>
-              <a:rPr lang="en-US" sz="1400" baseline="30000" dirty="0">
-                <a:latin typeface="Arial"/>
-                <a:cs typeface="Arial"/>
-              </a:rPr>
-              <a:t>5</a:t>
-            </a:r>
-            <a:r>
-              <a:rPr lang="en-US" sz="1400" dirty="0">
-                <a:latin typeface="Arial"/>
-                <a:cs typeface="Arial"/>
-              </a:rPr>
-              <a:t>N</a:t>
-            </a:r>
-            <a:r>
-              <a:rPr lang="el-GR" sz="1400" dirty="0">
-                <a:latin typeface="Arial"/>
-                <a:cs typeface="Arial"/>
-              </a:rPr>
-              <a:t> </a:t>
-            </a:r>
-            <a:r>
-              <a:rPr lang="en-US" sz="1400" dirty="0">
-                <a:latin typeface="Arial"/>
-                <a:cs typeface="Arial"/>
-              </a:rPr>
-              <a:t> </a:t>
-            </a:r>
-            <a:r>
-              <a:rPr lang="el-GR" sz="1400" dirty="0">
-                <a:latin typeface="Arial"/>
-                <a:cs typeface="Arial"/>
-              </a:rPr>
-              <a:t>‰ </a:t>
-            </a:r>
-            <a:endParaRPr lang="en-US" sz="1400" dirty="0">
-              <a:latin typeface="Arial"/>
-              <a:cs typeface="Arial"/>
-            </a:endParaRPr>
-          </a:p>
-        </p:txBody>
-      </p:sp>
       <p:grpSp>
         <p:nvGrpSpPr>
-          <p:cNvPr id="68" name="Group 67"/>
+          <p:cNvPr id="69" name="Group 68">
+            <a:extLst>
+              <a:ext uri="{FF2B5EF4-FFF2-40B4-BE49-F238E27FC236}">
+                <a16:creationId xmlns:a16="http://schemas.microsoft.com/office/drawing/2014/main" id="{7121B192-1192-AB4E-A740-F7BF3202A3B2}"/>
+              </a:ext>
+            </a:extLst>
+          </p:cNvPr>
           <p:cNvGrpSpPr/>
           <p:nvPr/>
         </p:nvGrpSpPr>
         <p:grpSpPr>
           <a:xfrm>
-            <a:off x="242096" y="6141860"/>
-            <a:ext cx="299537" cy="548713"/>
-            <a:chOff x="7247000" y="3098800"/>
-            <a:chExt cx="316193" cy="669893"/>
+            <a:off x="3716588" y="2339955"/>
+            <a:ext cx="258404" cy="396289"/>
+            <a:chOff x="7223262" y="3098800"/>
+            <a:chExt cx="346810" cy="730557"/>
           </a:xfrm>
         </p:grpSpPr>
         <p:cxnSp>
           <p:nvCxnSpPr>
-            <p:cNvPr id="27" name="Straight Connector 26"/>
+            <p:cNvPr id="70" name="Straight Connector 69">
+              <a:extLst>
+                <a:ext uri="{FF2B5EF4-FFF2-40B4-BE49-F238E27FC236}">
+                  <a16:creationId xmlns:a16="http://schemas.microsoft.com/office/drawing/2014/main" id="{16119215-48CA-6043-89CC-16129F185734}"/>
+                </a:ext>
+              </a:extLst>
+            </p:cNvPr>
             <p:cNvCxnSpPr/>
             <p:nvPr/>
           </p:nvCxnSpPr>
@@ -3688,14 +3624,22 @@
         </p:cxnSp>
         <p:cxnSp>
           <p:nvCxnSpPr>
-            <p:cNvPr id="28" name="Straight Connector 27"/>
-            <p:cNvCxnSpPr/>
+            <p:cNvPr id="71" name="Straight Connector 70">
+              <a:extLst>
+                <a:ext uri="{FF2B5EF4-FFF2-40B4-BE49-F238E27FC236}">
+                  <a16:creationId xmlns:a16="http://schemas.microsoft.com/office/drawing/2014/main" id="{1A2A4E38-7E05-0340-AD0D-8AB527D462B0}"/>
+                </a:ext>
+              </a:extLst>
+            </p:cNvPr>
+            <p:cNvCxnSpPr>
+              <a:cxnSpLocks/>
+            </p:cNvCxnSpPr>
             <p:nvPr/>
           </p:nvCxnSpPr>
           <p:spPr>
             <a:xfrm flipH="1">
-              <a:off x="7247000" y="3393440"/>
-              <a:ext cx="152400" cy="132080"/>
+              <a:off x="7247001" y="3393440"/>
+              <a:ext cx="152398" cy="132080"/>
             </a:xfrm>
             <a:prstGeom prst="line">
               <a:avLst/>
@@ -3724,14 +3668,22 @@
         </p:cxnSp>
         <p:cxnSp>
           <p:nvCxnSpPr>
-            <p:cNvPr id="31" name="Straight Connector 30"/>
-            <p:cNvCxnSpPr/>
+            <p:cNvPr id="72" name="Straight Connector 71">
+              <a:extLst>
+                <a:ext uri="{FF2B5EF4-FFF2-40B4-BE49-F238E27FC236}">
+                  <a16:creationId xmlns:a16="http://schemas.microsoft.com/office/drawing/2014/main" id="{0857A8AD-39C6-814D-B8DE-E1C53F69B1E5}"/>
+                </a:ext>
+              </a:extLst>
+            </p:cNvPr>
+            <p:cNvCxnSpPr>
+              <a:cxnSpLocks/>
+            </p:cNvCxnSpPr>
             <p:nvPr/>
           </p:nvCxnSpPr>
           <p:spPr>
             <a:xfrm>
-              <a:off x="7399400" y="3393440"/>
-              <a:ext cx="132080" cy="132080"/>
+              <a:off x="7399399" y="3393440"/>
+              <a:ext cx="132081" cy="132080"/>
             </a:xfrm>
             <a:prstGeom prst="line">
               <a:avLst/>
@@ -3760,7 +3712,13 @@
         </p:cxnSp>
         <p:cxnSp>
           <p:nvCxnSpPr>
-            <p:cNvPr id="34" name="Straight Connector 33"/>
+            <p:cNvPr id="73" name="Straight Connector 72">
+              <a:extLst>
+                <a:ext uri="{FF2B5EF4-FFF2-40B4-BE49-F238E27FC236}">
+                  <a16:creationId xmlns:a16="http://schemas.microsoft.com/office/drawing/2014/main" id="{B52A5BC5-EDF6-8F41-81AC-63CB435BDB1E}"/>
+                </a:ext>
+              </a:extLst>
+            </p:cNvPr>
             <p:cNvCxnSpPr/>
             <p:nvPr/>
           </p:nvCxnSpPr>
@@ -3796,14 +3754,20 @@
         </p:cxnSp>
         <p:sp>
           <p:nvSpPr>
-            <p:cNvPr id="40" name="TextBox 39"/>
+            <p:cNvPr id="74" name="TextBox 73">
+              <a:extLst>
+                <a:ext uri="{FF2B5EF4-FFF2-40B4-BE49-F238E27FC236}">
+                  <a16:creationId xmlns:a16="http://schemas.microsoft.com/office/drawing/2014/main" id="{71F69CB2-1D6E-3D42-953F-53EDB67B1B94}"/>
+                </a:ext>
+              </a:extLst>
+            </p:cNvPr>
             <p:cNvSpPr txBox="1"/>
             <p:nvPr/>
           </p:nvSpPr>
           <p:spPr>
             <a:xfrm>
-              <a:off x="7251500" y="3430520"/>
-              <a:ext cx="311693" cy="338173"/>
+              <a:off x="7223262" y="3432187"/>
+              <a:ext cx="346810" cy="397170"/>
             </a:xfrm>
             <a:prstGeom prst="rect">
               <a:avLst/>
@@ -3817,7 +3781,7 @@
             <a:lstStyle/>
             <a:p>
               <a:r>
-                <a:rPr lang="en-US" sz="1200" dirty="0">
+                <a:rPr lang="en-US" sz="800" dirty="0">
                   <a:latin typeface="Arial"/>
                   <a:cs typeface="Arial"/>
                 </a:rPr>
@@ -3827,64 +3791,335 @@
           </p:txBody>
         </p:sp>
       </p:grpSp>
-      <p:pic>
-        <p:nvPicPr>
-          <p:cNvPr id="3" name="Picture 2" descr="Diagram&#10;&#10;Description automatically generated">
+      <p:grpSp>
+        <p:nvGrpSpPr>
+          <p:cNvPr id="75" name="Group 74">
             <a:extLst>
               <a:ext uri="{FF2B5EF4-FFF2-40B4-BE49-F238E27FC236}">
-                <a16:creationId xmlns:a16="http://schemas.microsoft.com/office/drawing/2014/main" id="{7026C979-AA20-4E44-B3E6-A773E732BB65}"/>
+                <a16:creationId xmlns:a16="http://schemas.microsoft.com/office/drawing/2014/main" id="{00A110C4-8AB3-2943-9F46-F528FD4748E2}"/>
               </a:ext>
             </a:extLst>
           </p:cNvPr>
-          <p:cNvPicPr>
-            <a:picLocks noChangeAspect="1"/>
-          </p:cNvPicPr>
+          <p:cNvGrpSpPr/>
           <p:nvPr/>
-        </p:nvPicPr>
-        <p:blipFill rotWithShape="1">
-          <a:blip r:embed="rId2"/>
-          <a:srcRect l="61240" t="8803" r="4226" b="6409"/>
-          <a:stretch/>
-        </p:blipFill>
-        <p:spPr>
+        </p:nvGrpSpPr>
+        <p:grpSpPr>
           <a:xfrm>
-            <a:off x="1188592" y="2829630"/>
-            <a:ext cx="2752900" cy="3379430"/>
+            <a:off x="560320" y="6106035"/>
+            <a:ext cx="3250000" cy="316805"/>
+            <a:chOff x="3844038" y="5831629"/>
+            <a:chExt cx="3250000" cy="316805"/>
           </a:xfrm>
-          <a:prstGeom prst="rect">
-            <a:avLst/>
-          </a:prstGeom>
-        </p:spPr>
-      </p:pic>
-      <p:pic>
-        <p:nvPicPr>
-          <p:cNvPr id="35" name="Picture 34">
-            <a:extLst>
-              <a:ext uri="{FF2B5EF4-FFF2-40B4-BE49-F238E27FC236}">
-                <a16:creationId xmlns:a16="http://schemas.microsoft.com/office/drawing/2014/main" id="{EBE672C7-1C86-A946-AA49-357C5926CE83}"/>
-              </a:ext>
-            </a:extLst>
-          </p:cNvPr>
-          <p:cNvPicPr>
-            <a:picLocks noChangeAspect="1"/>
-          </p:cNvPicPr>
-          <p:nvPr/>
-        </p:nvPicPr>
-        <p:blipFill rotWithShape="1">
-          <a:blip r:embed="rId2"/>
-          <a:srcRect l="2921" t="21169" r="46773" b="19131"/>
-          <a:stretch/>
-        </p:blipFill>
-        <p:spPr>
-          <a:xfrm>
-            <a:off x="569376" y="434972"/>
-            <a:ext cx="3911219" cy="2320744"/>
-          </a:xfrm>
-          <a:prstGeom prst="rect">
-            <a:avLst/>
-          </a:prstGeom>
-        </p:spPr>
-      </p:pic>
+        </p:grpSpPr>
+        <p:grpSp>
+          <p:nvGrpSpPr>
+            <p:cNvPr id="76" name="Group 75">
+              <a:extLst>
+                <a:ext uri="{FF2B5EF4-FFF2-40B4-BE49-F238E27FC236}">
+                  <a16:creationId xmlns:a16="http://schemas.microsoft.com/office/drawing/2014/main" id="{9F21AC9A-EDB9-CA40-973A-9BCA02A16728}"/>
+                </a:ext>
+              </a:extLst>
+            </p:cNvPr>
+            <p:cNvGrpSpPr/>
+            <p:nvPr/>
+          </p:nvGrpSpPr>
+          <p:grpSpPr>
+            <a:xfrm>
+              <a:off x="3844038" y="5831629"/>
+              <a:ext cx="3250000" cy="316805"/>
+              <a:chOff x="5564667" y="2377735"/>
+              <a:chExt cx="2433356" cy="220798"/>
+            </a:xfrm>
+          </p:grpSpPr>
+          <p:sp>
+            <p:nvSpPr>
+              <p:cNvPr id="78" name="Rectangle 77">
+                <a:extLst>
+                  <a:ext uri="{FF2B5EF4-FFF2-40B4-BE49-F238E27FC236}">
+                    <a16:creationId xmlns:a16="http://schemas.microsoft.com/office/drawing/2014/main" id="{6DB92959-77D3-2140-91FE-97D31ED394E3}"/>
+                  </a:ext>
+                </a:extLst>
+              </p:cNvPr>
+              <p:cNvSpPr/>
+              <p:nvPr/>
+            </p:nvSpPr>
+            <p:spPr>
+              <a:xfrm>
+                <a:off x="7658124" y="2377735"/>
+                <a:ext cx="339899" cy="214506"/>
+              </a:xfrm>
+              <a:prstGeom prst="rect">
+                <a:avLst/>
+              </a:prstGeom>
+            </p:spPr>
+            <p:txBody>
+              <a:bodyPr wrap="none">
+                <a:spAutoFit/>
+              </a:bodyPr>
+              <a:lstStyle/>
+              <a:p>
+                <a:r>
+                  <a:rPr lang="en-US" sz="1400" dirty="0">
+                    <a:latin typeface="Arial"/>
+                    <a:cs typeface="Arial"/>
+                  </a:rPr>
+                  <a:t>soil</a:t>
+                </a:r>
+              </a:p>
+            </p:txBody>
+          </p:sp>
+          <p:sp>
+            <p:nvSpPr>
+              <p:cNvPr id="79" name="Oval 78">
+                <a:extLst>
+                  <a:ext uri="{FF2B5EF4-FFF2-40B4-BE49-F238E27FC236}">
+                    <a16:creationId xmlns:a16="http://schemas.microsoft.com/office/drawing/2014/main" id="{A5D4E53D-3CA4-C642-8833-336A31115338}"/>
+                  </a:ext>
+                </a:extLst>
+              </p:cNvPr>
+              <p:cNvSpPr/>
+              <p:nvPr/>
+            </p:nvSpPr>
+            <p:spPr>
+              <a:xfrm>
+                <a:off x="7559254" y="2434162"/>
+                <a:ext cx="113406" cy="101184"/>
+              </a:xfrm>
+              <a:prstGeom prst="ellipse">
+                <a:avLst/>
+              </a:prstGeom>
+              <a:noFill/>
+              <a:ln w="12700">
+                <a:solidFill>
+                  <a:srgbClr val="000000"/>
+                </a:solidFill>
+              </a:ln>
+              <a:effectLst/>
+            </p:spPr>
+            <p:style>
+              <a:lnRef idx="1">
+                <a:schemeClr val="accent1"/>
+              </a:lnRef>
+              <a:fillRef idx="3">
+                <a:schemeClr val="accent1"/>
+              </a:fillRef>
+              <a:effectRef idx="2">
+                <a:schemeClr val="accent1"/>
+              </a:effectRef>
+              <a:fontRef idx="minor">
+                <a:schemeClr val="lt1"/>
+              </a:fontRef>
+            </p:style>
+            <p:txBody>
+              <a:bodyPr rtlCol="0" anchor="ctr"/>
+              <a:lstStyle/>
+              <a:p>
+                <a:pPr algn="ctr"/>
+                <a:endParaRPr lang="en-US" sz="1200"/>
+              </a:p>
+            </p:txBody>
+          </p:sp>
+          <p:sp>
+            <p:nvSpPr>
+              <p:cNvPr id="80" name="Rectangle 79">
+                <a:extLst>
+                  <a:ext uri="{FF2B5EF4-FFF2-40B4-BE49-F238E27FC236}">
+                    <a16:creationId xmlns:a16="http://schemas.microsoft.com/office/drawing/2014/main" id="{2F1BFC1F-78F5-7D41-AFA5-C36FE9A36352}"/>
+                  </a:ext>
+                </a:extLst>
+              </p:cNvPr>
+              <p:cNvSpPr/>
+              <p:nvPr/>
+            </p:nvSpPr>
+            <p:spPr>
+              <a:xfrm>
+                <a:off x="5663533" y="2382392"/>
+                <a:ext cx="794779" cy="214506"/>
+              </a:xfrm>
+              <a:prstGeom prst="rect">
+                <a:avLst/>
+              </a:prstGeom>
+            </p:spPr>
+            <p:txBody>
+              <a:bodyPr wrap="none">
+                <a:spAutoFit/>
+              </a:bodyPr>
+              <a:lstStyle/>
+              <a:p>
+                <a:r>
+                  <a:rPr lang="en-US" sz="1400" i="1" dirty="0">
+                    <a:latin typeface="Arial"/>
+                    <a:cs typeface="Arial"/>
+                  </a:rPr>
+                  <a:t>Acacia </a:t>
+                </a:r>
+                <a:r>
+                  <a:rPr lang="en-US" sz="1400" i="1" dirty="0" err="1">
+                    <a:latin typeface="Arial"/>
+                    <a:cs typeface="Arial"/>
+                  </a:rPr>
+                  <a:t>koa</a:t>
+                </a:r>
+                <a:endParaRPr lang="en-US" sz="1400" i="1" dirty="0">
+                  <a:latin typeface="Arial"/>
+                  <a:cs typeface="Arial"/>
+                </a:endParaRPr>
+              </a:p>
+            </p:txBody>
+          </p:sp>
+          <p:sp>
+            <p:nvSpPr>
+              <p:cNvPr id="81" name="Isosceles Triangle 65">
+                <a:extLst>
+                  <a:ext uri="{FF2B5EF4-FFF2-40B4-BE49-F238E27FC236}">
+                    <a16:creationId xmlns:a16="http://schemas.microsoft.com/office/drawing/2014/main" id="{0D06A48E-CAB5-5241-BBF3-F456B24B12E9}"/>
+                  </a:ext>
+                </a:extLst>
+              </p:cNvPr>
+              <p:cNvSpPr/>
+              <p:nvPr/>
+            </p:nvSpPr>
+            <p:spPr>
+              <a:xfrm>
+                <a:off x="5564667" y="2430077"/>
+                <a:ext cx="120578" cy="101185"/>
+              </a:xfrm>
+              <a:prstGeom prst="triangle">
+                <a:avLst/>
+              </a:prstGeom>
+              <a:solidFill>
+                <a:srgbClr val="000000"/>
+              </a:solidFill>
+              <a:ln>
+                <a:solidFill>
+                  <a:srgbClr val="000000"/>
+                </a:solidFill>
+              </a:ln>
+              <a:effectLst/>
+            </p:spPr>
+            <p:style>
+              <a:lnRef idx="1">
+                <a:schemeClr val="accent1"/>
+              </a:lnRef>
+              <a:fillRef idx="3">
+                <a:schemeClr val="accent1"/>
+              </a:fillRef>
+              <a:effectRef idx="2">
+                <a:schemeClr val="accent1"/>
+              </a:effectRef>
+              <a:fontRef idx="minor">
+                <a:schemeClr val="lt1"/>
+              </a:fontRef>
+            </p:style>
+            <p:txBody>
+              <a:bodyPr rtlCol="0" anchor="ctr"/>
+              <a:lstStyle/>
+              <a:p>
+                <a:pPr algn="ctr"/>
+                <a:endParaRPr lang="en-US" dirty="0"/>
+              </a:p>
+            </p:txBody>
+          </p:sp>
+          <p:sp>
+            <p:nvSpPr>
+              <p:cNvPr id="82" name="TextBox 81">
+                <a:extLst>
+                  <a:ext uri="{FF2B5EF4-FFF2-40B4-BE49-F238E27FC236}">
+                    <a16:creationId xmlns:a16="http://schemas.microsoft.com/office/drawing/2014/main" id="{2E8C6DCF-7644-A34B-80AC-928C9D8A492B}"/>
+                  </a:ext>
+                </a:extLst>
+              </p:cNvPr>
+              <p:cNvSpPr txBox="1"/>
+              <p:nvPr/>
+            </p:nvSpPr>
+            <p:spPr>
+              <a:xfrm>
+                <a:off x="6659668" y="2384027"/>
+                <a:ext cx="816383" cy="214506"/>
+              </a:xfrm>
+              <a:prstGeom prst="rect">
+                <a:avLst/>
+              </a:prstGeom>
+              <a:noFill/>
+            </p:spPr>
+            <p:txBody>
+              <a:bodyPr wrap="none" rtlCol="0">
+                <a:spAutoFit/>
+              </a:bodyPr>
+              <a:lstStyle/>
+              <a:p>
+                <a:r>
+                  <a:rPr lang="en-US" sz="1400" i="1" dirty="0">
+                    <a:latin typeface="Arial"/>
+                    <a:cs typeface="Arial"/>
+                  </a:rPr>
+                  <a:t>Rubus</a:t>
+                </a:r>
+                <a:r>
+                  <a:rPr lang="en-US" sz="1400" dirty="0">
+                    <a:latin typeface="Arial"/>
+                    <a:cs typeface="Arial"/>
+                  </a:rPr>
+                  <a:t> spp.</a:t>
+                </a:r>
+              </a:p>
+            </p:txBody>
+          </p:sp>
+        </p:grpSp>
+        <p:sp>
+          <p:nvSpPr>
+            <p:cNvPr id="77" name="Isosceles Triangle 65">
+              <a:extLst>
+                <a:ext uri="{FF2B5EF4-FFF2-40B4-BE49-F238E27FC236}">
+                  <a16:creationId xmlns:a16="http://schemas.microsoft.com/office/drawing/2014/main" id="{85D6E14E-8D14-6F47-8E41-6CD5E71795DC}"/>
+                </a:ext>
+              </a:extLst>
+            </p:cNvPr>
+            <p:cNvSpPr/>
+            <p:nvPr/>
+          </p:nvSpPr>
+          <p:spPr>
+            <a:xfrm>
+              <a:off x="5191061" y="5913716"/>
+              <a:ext cx="161044" cy="145182"/>
+            </a:xfrm>
+            <a:prstGeom prst="triangle">
+              <a:avLst/>
+            </a:prstGeom>
+            <a:solidFill>
+              <a:schemeClr val="bg1"/>
+            </a:solidFill>
+            <a:ln>
+              <a:solidFill>
+                <a:srgbClr val="000000"/>
+              </a:solidFill>
+            </a:ln>
+            <a:effectLst/>
+          </p:spPr>
+          <p:style>
+            <a:lnRef idx="1">
+              <a:schemeClr val="accent1"/>
+            </a:lnRef>
+            <a:fillRef idx="3">
+              <a:schemeClr val="accent1"/>
+            </a:fillRef>
+            <a:effectRef idx="2">
+              <a:schemeClr val="accent1"/>
+            </a:effectRef>
+            <a:fontRef idx="minor">
+              <a:schemeClr val="lt1"/>
+            </a:fontRef>
+          </p:style>
+          <p:txBody>
+            <a:bodyPr rtlCol="0" anchor="ctr"/>
+            <a:lstStyle/>
+            <a:p>
+              <a:pPr algn="ctr"/>
+              <a:endParaRPr lang="en-US"/>
+            </a:p>
+          </p:txBody>
+        </p:sp>
+      </p:grpSp>
     </p:spTree>
     <p:extLst>
       <p:ext uri="{BB962C8B-B14F-4D97-AF65-F5344CB8AC3E}">

--- a/figures/pau/plant isoscape.pptx
+++ b/figures/pau/plant isoscape.pptx
@@ -302,7 +302,7 @@
           <a:p>
             <a:fld id="{6761E3C2-9BEC-E04E-909B-4B2F00AFE974}" type="datetimeFigureOut">
               <a:rPr lang="en-US" smtClean="0"/>
-              <a:t>7/22/22</a:t>
+              <a:t>10/18/22</a:t>
             </a:fld>
             <a:endParaRPr lang="en-US"/>
           </a:p>
@@ -470,7 +470,7 @@
           <a:p>
             <a:fld id="{6761E3C2-9BEC-E04E-909B-4B2F00AFE974}" type="datetimeFigureOut">
               <a:rPr lang="en-US" smtClean="0"/>
-              <a:t>7/22/22</a:t>
+              <a:t>10/18/22</a:t>
             </a:fld>
             <a:endParaRPr lang="en-US"/>
           </a:p>
@@ -648,7 +648,7 @@
           <a:p>
             <a:fld id="{6761E3C2-9BEC-E04E-909B-4B2F00AFE974}" type="datetimeFigureOut">
               <a:rPr lang="en-US" smtClean="0"/>
-              <a:t>7/22/22</a:t>
+              <a:t>10/18/22</a:t>
             </a:fld>
             <a:endParaRPr lang="en-US"/>
           </a:p>
@@ -816,7 +816,7 @@
           <a:p>
             <a:fld id="{6761E3C2-9BEC-E04E-909B-4B2F00AFE974}" type="datetimeFigureOut">
               <a:rPr lang="en-US" smtClean="0"/>
-              <a:t>7/22/22</a:t>
+              <a:t>10/18/22</a:t>
             </a:fld>
             <a:endParaRPr lang="en-US"/>
           </a:p>
@@ -1061,7 +1061,7 @@
           <a:p>
             <a:fld id="{6761E3C2-9BEC-E04E-909B-4B2F00AFE974}" type="datetimeFigureOut">
               <a:rPr lang="en-US" smtClean="0"/>
-              <a:t>7/22/22</a:t>
+              <a:t>10/18/22</a:t>
             </a:fld>
             <a:endParaRPr lang="en-US"/>
           </a:p>
@@ -1346,7 +1346,7 @@
           <a:p>
             <a:fld id="{6761E3C2-9BEC-E04E-909B-4B2F00AFE974}" type="datetimeFigureOut">
               <a:rPr lang="en-US" smtClean="0"/>
-              <a:t>7/22/22</a:t>
+              <a:t>10/18/22</a:t>
             </a:fld>
             <a:endParaRPr lang="en-US"/>
           </a:p>
@@ -1765,7 +1765,7 @@
           <a:p>
             <a:fld id="{6761E3C2-9BEC-E04E-909B-4B2F00AFE974}" type="datetimeFigureOut">
               <a:rPr lang="en-US" smtClean="0"/>
-              <a:t>7/22/22</a:t>
+              <a:t>10/18/22</a:t>
             </a:fld>
             <a:endParaRPr lang="en-US"/>
           </a:p>
@@ -1882,7 +1882,7 @@
           <a:p>
             <a:fld id="{6761E3C2-9BEC-E04E-909B-4B2F00AFE974}" type="datetimeFigureOut">
               <a:rPr lang="en-US" smtClean="0"/>
-              <a:t>7/22/22</a:t>
+              <a:t>10/18/22</a:t>
             </a:fld>
             <a:endParaRPr lang="en-US"/>
           </a:p>
@@ -1977,7 +1977,7 @@
           <a:p>
             <a:fld id="{6761E3C2-9BEC-E04E-909B-4B2F00AFE974}" type="datetimeFigureOut">
               <a:rPr lang="en-US" smtClean="0"/>
-              <a:t>7/22/22</a:t>
+              <a:t>10/18/22</a:t>
             </a:fld>
             <a:endParaRPr lang="en-US"/>
           </a:p>
@@ -2252,7 +2252,7 @@
           <a:p>
             <a:fld id="{6761E3C2-9BEC-E04E-909B-4B2F00AFE974}" type="datetimeFigureOut">
               <a:rPr lang="en-US" smtClean="0"/>
-              <a:t>7/22/22</a:t>
+              <a:t>10/18/22</a:t>
             </a:fld>
             <a:endParaRPr lang="en-US"/>
           </a:p>
@@ -2504,7 +2504,7 @@
           <a:p>
             <a:fld id="{6761E3C2-9BEC-E04E-909B-4B2F00AFE974}" type="datetimeFigureOut">
               <a:rPr lang="en-US" smtClean="0"/>
-              <a:t>7/22/22</a:t>
+              <a:t>10/18/22</a:t>
             </a:fld>
             <a:endParaRPr lang="en-US"/>
           </a:p>
@@ -2715,7 +2715,7 @@
           <a:p>
             <a:fld id="{6761E3C2-9BEC-E04E-909B-4B2F00AFE974}" type="datetimeFigureOut">
               <a:rPr lang="en-US" smtClean="0"/>
-              <a:t>7/22/22</a:t>
+              <a:t>10/18/22</a:t>
             </a:fld>
             <a:endParaRPr lang="en-US"/>
           </a:p>
@@ -3113,35 +3113,6 @@
           <a:xfrm>
             <a:off x="494600" y="154858"/>
             <a:ext cx="3480392" cy="2212619"/>
-          </a:xfrm>
-          <a:prstGeom prst="rect">
-            <a:avLst/>
-          </a:prstGeom>
-        </p:spPr>
-      </p:pic>
-      <p:pic>
-        <p:nvPicPr>
-          <p:cNvPr id="29" name="Picture 28" descr="Chart, diagram&#10;&#10;Description automatically generated">
-            <a:extLst>
-              <a:ext uri="{FF2B5EF4-FFF2-40B4-BE49-F238E27FC236}">
-                <a16:creationId xmlns:a16="http://schemas.microsoft.com/office/drawing/2014/main" id="{8EB5701F-8D28-6F45-9F71-770AACADDF63}"/>
-              </a:ext>
-            </a:extLst>
-          </p:cNvPr>
-          <p:cNvPicPr>
-            <a:picLocks noChangeAspect="1"/>
-          </p:cNvPicPr>
-          <p:nvPr/>
-        </p:nvPicPr>
-        <p:blipFill rotWithShape="1">
-          <a:blip r:embed="rId2"/>
-          <a:srcRect l="58630" t="7196" b="3226"/>
-          <a:stretch/>
-        </p:blipFill>
-        <p:spPr>
-          <a:xfrm>
-            <a:off x="431750" y="2521927"/>
-            <a:ext cx="3446208" cy="3730973"/>
           </a:xfrm>
           <a:prstGeom prst="rect">
             <a:avLst/>
@@ -4120,6 +4091,35 @@
           </p:txBody>
         </p:sp>
       </p:grpSp>
+      <p:pic>
+        <p:nvPicPr>
+          <p:cNvPr id="3" name="Picture 2" descr="Chart, diagram&#10;&#10;Description automatically generated">
+            <a:extLst>
+              <a:ext uri="{FF2B5EF4-FFF2-40B4-BE49-F238E27FC236}">
+                <a16:creationId xmlns:a16="http://schemas.microsoft.com/office/drawing/2014/main" id="{17FFDCBC-71F0-0143-BE3E-F688EA2F9CDA}"/>
+              </a:ext>
+            </a:extLst>
+          </p:cNvPr>
+          <p:cNvPicPr>
+            <a:picLocks noChangeAspect="1"/>
+          </p:cNvPicPr>
+          <p:nvPr/>
+        </p:nvPicPr>
+        <p:blipFill rotWithShape="1">
+          <a:blip r:embed="rId3"/>
+          <a:srcRect l="59669" t="9838" r="7129" b="7178"/>
+          <a:stretch/>
+        </p:blipFill>
+        <p:spPr>
+          <a:xfrm>
+            <a:off x="536613" y="2667813"/>
+            <a:ext cx="2687686" cy="3473646"/>
+          </a:xfrm>
+          <a:prstGeom prst="rect">
+            <a:avLst/>
+          </a:prstGeom>
+        </p:spPr>
+      </p:pic>
     </p:spTree>
     <p:extLst>
       <p:ext uri="{BB962C8B-B14F-4D97-AF65-F5344CB8AC3E}">
